--- a/Hackathon-Demo-GenAI-Powered-Learning-Assistant.pptx
+++ b/Hackathon-Demo-GenAI-Powered-Learning-Assistant.pptx
@@ -13,17 +13,14 @@
     <p:sldId id="261" r:id="rId7"/>
     <p:sldId id="262" r:id="rId8"/>
     <p:sldId id="263" r:id="rId9"/>
+    <p:sldId id="264" r:id="rId10"/>
   </p:sldIdLst>
   <p:notesMasterIdLst>
-    <p:notesMasterId r:id="rId10"/>
+    <p:notesMasterId r:id="rId11"/>
   </p:notesMasterIdLst>
   <p:sldSz cx="14630400" cy="8229600"/>
   <p:notesSz cx="8229600" cy="14630400"/>
   <p:embeddedFontLst>
-    <p:embeddedFont>
-      <p:font typeface="Platypi Medium"/>
-      <p:regular r:id="rId15"/>
-    </p:embeddedFont>
     <p:embeddedFont>
       <p:font typeface="Platypi Medium"/>
       <p:regular r:id="rId16"/>
@@ -35,6 +32,10 @@
     <p:embeddedFont>
       <p:font typeface="Platypi Medium"/>
       <p:regular r:id="rId18"/>
+    </p:embeddedFont>
+    <p:embeddedFont>
+      <p:font typeface="Platypi Medium"/>
+      <p:regular r:id="rId19"/>
     </p:embeddedFont>
   </p:embeddedFontLst>
 </p:presentation>
@@ -1093,6 +1094,94 @@
 </p:notes>
 </file>
 
+<file path=ppt/notesSlides/notesSlide9.xml><?xml version="1.0" encoding="utf-8"?>
+<p:notes xmlns:a="http://schemas.openxmlformats.org/drawingml/2006/main" xmlns:r="http://schemas.openxmlformats.org/officeDocument/2006/relationships" xmlns:p="http://schemas.openxmlformats.org/presentationml/2006/main">
+  <p:cSld>
+    <p:spTree>
+      <p:nvGrpSpPr>
+        <p:cNvPr id="1" name=""/>
+        <p:cNvGrpSpPr/>
+        <p:nvPr/>
+      </p:nvGrpSpPr>
+      <p:grpSpPr>
+        <a:xfrm>
+          <a:off x="0" y="0"/>
+          <a:ext cx="0" cy="0"/>
+          <a:chOff x="0" y="0"/>
+          <a:chExt cx="0" cy="0"/>
+        </a:xfrm>
+      </p:grpSpPr>
+      <p:sp>
+        <p:nvSpPr>
+          <p:cNvPr id="2" name="Slide Image Placeholder 1"/>
+          <p:cNvSpPr>
+            <a:spLocks noGrp="1" noRot="1" noChangeAspect="1"/>
+          </p:cNvSpPr>
+          <p:nvPr>
+            <p:ph type="sldImg"/>
+          </p:nvPr>
+        </p:nvSpPr>
+        <p:spPr/>
+      </p:sp>
+      <p:sp>
+        <p:nvSpPr>
+          <p:cNvPr id="3" name="Notes Placeholder 2"/>
+          <p:cNvSpPr>
+            <a:spLocks noGrp="1"/>
+          </p:cNvSpPr>
+          <p:nvPr>
+            <p:ph type="body" idx="1"/>
+          </p:nvPr>
+        </p:nvSpPr>
+        <p:spPr/>
+        <p:txBody>
+          <a:bodyPr/>
+          <a:lstStyle/>
+          <a:p>
+            <a:r>
+              <a:rPr lang="en-US" dirty="0"/>
+              <a:t/>
+            </a:r>
+            <a:endParaRPr lang="en-US" dirty="0"/>
+          </a:p>
+        </p:txBody>
+      </p:sp>
+      <p:sp>
+        <p:nvSpPr>
+          <p:cNvPr id="4" name="Slide Number Placeholder 3"/>
+          <p:cNvSpPr>
+            <a:spLocks noGrp="1"/>
+          </p:cNvSpPr>
+          <p:nvPr>
+            <p:ph type="sldNum" sz="quarter" idx="10"/>
+          </p:nvPr>
+        </p:nvSpPr>
+        <p:spPr/>
+        <p:txBody>
+          <a:bodyPr/>
+          <a:lstStyle/>
+          <a:p>
+            <a:fld id="{F7021451-1387-4CA6-816F-3879F97B5CBC}" type="slidenum">
+              <a:rPr lang="en-US"/>
+              <a:t>9</a:t>
+            </a:fld>
+            <a:endParaRPr lang="en-US"/>
+          </a:p>
+        </p:txBody>
+      </p:sp>
+    </p:spTree>
+    <p:extLst>
+      <p:ext uri="{BB962C8B-B14F-4D97-AF65-F5344CB8AC3E}">
+        <p14:creationId xmlns:p14="http://schemas.microsoft.com/office/powerpoint/2010/main" val="1024086991"/>
+      </p:ext>
+    </p:extLst>
+  </p:cSld>
+  <p:clrMapOvr>
+    <a:masterClrMapping/>
+  </p:clrMapOvr>
+</p:notes>
+</file>
+
 <file path=ppt/slideLayouts/slideLayout1.xml><?xml version="1.0" encoding="utf-8"?>
 <p:sldLayout xmlns:a="http://schemas.openxmlformats.org/drawingml/2006/main" xmlns:r="http://schemas.openxmlformats.org/officeDocument/2006/relationships" xmlns:p="http://schemas.openxmlformats.org/presentationml/2006/main" preserve="1">
   <p:cSld name="DEFAULT">
@@ -1123,6 +1212,71 @@
 </p:sldLayout>
 </file>
 
+<file path=ppt/slideLayouts/slideLayout10.xml><?xml version="1.0" encoding="utf-8"?>
+<p:sldLayout xmlns:a="http://schemas.openxmlformats.org/drawingml/2006/main" xmlns:r="http://schemas.openxmlformats.org/officeDocument/2006/relationships" xmlns:p="http://schemas.openxmlformats.org/presentationml/2006/main" preserve="1">
+  <p:cSld name="Slide 9 master">
+    <p:spTree>
+      <p:nvGrpSpPr>
+        <p:cNvPr id="1" name=""/>
+        <p:cNvGrpSpPr/>
+        <p:nvPr/>
+      </p:nvGrpSpPr>
+      <p:grpSpPr>
+        <a:xfrm>
+          <a:off x="0" y="0"/>
+          <a:ext cx="0" cy="0"/>
+          <a:chOff x="0" y="0"/>
+          <a:chExt cx="0" cy="0"/>
+        </a:xfrm>
+      </p:grpSpPr>
+      <p:sp>
+        <p:nvSpPr>
+          <p:cNvPr id="2" name="Shape 0"/>
+          <p:cNvSpPr/>
+          <p:nvPr/>
+        </p:nvSpPr>
+        <p:spPr>
+          <a:xfrm>
+            <a:off x="0" y="0"/>
+            <a:ext cx="14630400" cy="8229600"/>
+          </a:xfrm>
+          <a:prstGeom prst="rect">
+            <a:avLst/>
+          </a:prstGeom>
+          <a:solidFill>
+            <a:srgbClr val="F7F3F0"/>
+          </a:solidFill>
+          <a:ln/>
+        </p:spPr>
+      </p:sp>
+      <p:sp>
+        <p:nvSpPr>
+          <p:cNvPr id="3" name="Shape 1"/>
+          <p:cNvSpPr/>
+          <p:nvPr/>
+        </p:nvSpPr>
+        <p:spPr>
+          <a:xfrm>
+            <a:off x="0" y="0"/>
+            <a:ext cx="14630400" cy="8229600"/>
+          </a:xfrm>
+          <a:prstGeom prst="rect">
+            <a:avLst/>
+          </a:prstGeom>
+          <a:solidFill>
+            <a:srgbClr val="FFFFFF"/>
+          </a:solidFill>
+          <a:ln/>
+        </p:spPr>
+      </p:sp>
+    </p:spTree>
+  </p:cSld>
+  <p:clrMapOvr>
+    <a:masterClrMapping/>
+  </p:clrMapOvr>
+</p:sldLayout>
+</file>
+
 <file path=ppt/slideLayouts/slideLayout2.xml><?xml version="1.0" encoding="utf-8"?>
 <p:sldLayout xmlns:a="http://schemas.openxmlformats.org/drawingml/2006/main" xmlns:r="http://schemas.openxmlformats.org/officeDocument/2006/relationships" xmlns:p="http://schemas.openxmlformats.org/presentationml/2006/main" preserve="1">
   <p:cSld name="Slide 1 master">
@@ -1180,32 +1334,6 @@
           <a:ln/>
         </p:spPr>
       </p:sp>
-      <p:pic>
-        <p:nvPicPr>
-          <p:cNvPr id="4" name="Image 0" descr="preencoded.png">
-            <a:hlinkClick r:id="rId2" tooltip=""/>
-          </p:cNvPr>
-          <p:cNvPicPr>
-            <a:picLocks noChangeAspect="1"/>
-          </p:cNvPicPr>
-          <p:nvPr/>
-        </p:nvPicPr>
-        <p:blipFill>
-          <a:blip r:embed="rId1"/>
-          <a:stretch>
-            <a:fillRect/>
-          </a:stretch>
-        </p:blipFill>
-        <p:spPr>
-          <a:xfrm>
-            <a:off x="12839215" y="7749540"/>
-            <a:ext cx="1722605" cy="411480"/>
-          </a:xfrm>
-          <a:prstGeom prst="rect">
-            <a:avLst/>
-          </a:prstGeom>
-        </p:spPr>
-      </p:pic>
     </p:spTree>
   </p:cSld>
   <p:clrMapOvr>
@@ -1271,32 +1399,6 @@
           <a:ln/>
         </p:spPr>
       </p:sp>
-      <p:pic>
-        <p:nvPicPr>
-          <p:cNvPr id="4" name="Image 0" descr="preencoded.png">
-            <a:hlinkClick r:id="rId2" tooltip=""/>
-          </p:cNvPr>
-          <p:cNvPicPr>
-            <a:picLocks noChangeAspect="1"/>
-          </p:cNvPicPr>
-          <p:nvPr/>
-        </p:nvPicPr>
-        <p:blipFill>
-          <a:blip r:embed="rId1"/>
-          <a:stretch>
-            <a:fillRect/>
-          </a:stretch>
-        </p:blipFill>
-        <p:spPr>
-          <a:xfrm>
-            <a:off x="12839215" y="7749540"/>
-            <a:ext cx="1722605" cy="411480"/>
-          </a:xfrm>
-          <a:prstGeom prst="rect">
-            <a:avLst/>
-          </a:prstGeom>
-        </p:spPr>
-      </p:pic>
     </p:spTree>
   </p:cSld>
   <p:clrMapOvr>
@@ -1362,32 +1464,6 @@
           <a:ln/>
         </p:spPr>
       </p:sp>
-      <p:pic>
-        <p:nvPicPr>
-          <p:cNvPr id="4" name="Image 0" descr="preencoded.png">
-            <a:hlinkClick r:id="rId2" tooltip=""/>
-          </p:cNvPr>
-          <p:cNvPicPr>
-            <a:picLocks noChangeAspect="1"/>
-          </p:cNvPicPr>
-          <p:nvPr/>
-        </p:nvPicPr>
-        <p:blipFill>
-          <a:blip r:embed="rId1"/>
-          <a:stretch>
-            <a:fillRect/>
-          </a:stretch>
-        </p:blipFill>
-        <p:spPr>
-          <a:xfrm>
-            <a:off x="12839215" y="7749540"/>
-            <a:ext cx="1722605" cy="411480"/>
-          </a:xfrm>
-          <a:prstGeom prst="rect">
-            <a:avLst/>
-          </a:prstGeom>
-        </p:spPr>
-      </p:pic>
     </p:spTree>
   </p:cSld>
   <p:clrMapOvr>
@@ -1453,32 +1529,6 @@
           <a:ln/>
         </p:spPr>
       </p:sp>
-      <p:pic>
-        <p:nvPicPr>
-          <p:cNvPr id="4" name="Image 0" descr="preencoded.png">
-            <a:hlinkClick r:id="rId2" tooltip=""/>
-          </p:cNvPr>
-          <p:cNvPicPr>
-            <a:picLocks noChangeAspect="1"/>
-          </p:cNvPicPr>
-          <p:nvPr/>
-        </p:nvPicPr>
-        <p:blipFill>
-          <a:blip r:embed="rId1"/>
-          <a:stretch>
-            <a:fillRect/>
-          </a:stretch>
-        </p:blipFill>
-        <p:spPr>
-          <a:xfrm>
-            <a:off x="12839215" y="7749540"/>
-            <a:ext cx="1722605" cy="411480"/>
-          </a:xfrm>
-          <a:prstGeom prst="rect">
-            <a:avLst/>
-          </a:prstGeom>
-        </p:spPr>
-      </p:pic>
     </p:spTree>
   </p:cSld>
   <p:clrMapOvr>
@@ -1544,32 +1594,6 @@
           <a:ln/>
         </p:spPr>
       </p:sp>
-      <p:pic>
-        <p:nvPicPr>
-          <p:cNvPr id="4" name="Image 0" descr="preencoded.png">
-            <a:hlinkClick r:id="rId2" tooltip=""/>
-          </p:cNvPr>
-          <p:cNvPicPr>
-            <a:picLocks noChangeAspect="1"/>
-          </p:cNvPicPr>
-          <p:nvPr/>
-        </p:nvPicPr>
-        <p:blipFill>
-          <a:blip r:embed="rId1"/>
-          <a:stretch>
-            <a:fillRect/>
-          </a:stretch>
-        </p:blipFill>
-        <p:spPr>
-          <a:xfrm>
-            <a:off x="12839215" y="7749540"/>
-            <a:ext cx="1722605" cy="411480"/>
-          </a:xfrm>
-          <a:prstGeom prst="rect">
-            <a:avLst/>
-          </a:prstGeom>
-        </p:spPr>
-      </p:pic>
     </p:spTree>
   </p:cSld>
   <p:clrMapOvr>
@@ -1635,32 +1659,6 @@
           <a:ln/>
         </p:spPr>
       </p:sp>
-      <p:pic>
-        <p:nvPicPr>
-          <p:cNvPr id="4" name="Image 0" descr="preencoded.png">
-            <a:hlinkClick r:id="rId2" tooltip=""/>
-          </p:cNvPr>
-          <p:cNvPicPr>
-            <a:picLocks noChangeAspect="1"/>
-          </p:cNvPicPr>
-          <p:nvPr/>
-        </p:nvPicPr>
-        <p:blipFill>
-          <a:blip r:embed="rId1"/>
-          <a:stretch>
-            <a:fillRect/>
-          </a:stretch>
-        </p:blipFill>
-        <p:spPr>
-          <a:xfrm>
-            <a:off x="12839215" y="7749540"/>
-            <a:ext cx="1722605" cy="411480"/>
-          </a:xfrm>
-          <a:prstGeom prst="rect">
-            <a:avLst/>
-          </a:prstGeom>
-        </p:spPr>
-      </p:pic>
     </p:spTree>
   </p:cSld>
   <p:clrMapOvr>
@@ -1726,32 +1724,6 @@
           <a:ln/>
         </p:spPr>
       </p:sp>
-      <p:pic>
-        <p:nvPicPr>
-          <p:cNvPr id="4" name="Image 0" descr="preencoded.png">
-            <a:hlinkClick r:id="rId2" tooltip=""/>
-          </p:cNvPr>
-          <p:cNvPicPr>
-            <a:picLocks noChangeAspect="1"/>
-          </p:cNvPicPr>
-          <p:nvPr/>
-        </p:nvPicPr>
-        <p:blipFill>
-          <a:blip r:embed="rId1"/>
-          <a:stretch>
-            <a:fillRect/>
-          </a:stretch>
-        </p:blipFill>
-        <p:spPr>
-          <a:xfrm>
-            <a:off x="12839215" y="7749540"/>
-            <a:ext cx="1722605" cy="411480"/>
-          </a:xfrm>
-          <a:prstGeom prst="rect">
-            <a:avLst/>
-          </a:prstGeom>
-        </p:spPr>
-      </p:pic>
     </p:spTree>
   </p:cSld>
   <p:clrMapOvr>
@@ -1817,32 +1789,6 @@
           <a:ln/>
         </p:spPr>
       </p:sp>
-      <p:pic>
-        <p:nvPicPr>
-          <p:cNvPr id="4" name="Image 0" descr="preencoded.png">
-            <a:hlinkClick r:id="rId2" tooltip=""/>
-          </p:cNvPr>
-          <p:cNvPicPr>
-            <a:picLocks noChangeAspect="1"/>
-          </p:cNvPicPr>
-          <p:nvPr/>
-        </p:nvPicPr>
-        <p:blipFill>
-          <a:blip r:embed="rId1"/>
-          <a:stretch>
-            <a:fillRect/>
-          </a:stretch>
-        </p:blipFill>
-        <p:spPr>
-          <a:xfrm>
-            <a:off x="12839215" y="7749540"/>
-            <a:ext cx="1722605" cy="411480"/>
-          </a:xfrm>
-          <a:prstGeom prst="rect">
-            <a:avLst/>
-          </a:prstGeom>
-        </p:spPr>
-      </p:pic>
     </p:spTree>
   </p:cSld>
   <p:clrMapOvr>
@@ -1881,6 +1827,7 @@
     <p:sldLayoutId id="2147483655" r:id="rId7"/>
     <p:sldLayoutId id="2147483656" r:id="rId8"/>
     <p:sldLayoutId id="2147483657" r:id="rId9"/>
+    <p:sldLayoutId id="2147483658" r:id="rId10"/>
   </p:sldLayoutIdLst>
   <p:hf sldNum="0" hdr="0" ftr="0" dt="0"/>
   <p:txStyles>
@@ -5905,6 +5852,775 @@
           </a:p>
         </p:txBody>
       </p:sp>
+    </p:spTree>
+  </p:cSld>
+  <p:clrMapOvr>
+    <a:masterClrMapping/>
+  </p:clrMapOvr>
+</p:sld>
+</file>
+
+<file path=ppt/slides/slide9.xml><?xml version="1.0" encoding="utf-8"?>
+<p:sld xmlns:a="http://schemas.openxmlformats.org/drawingml/2006/main" xmlns:r="http://schemas.openxmlformats.org/officeDocument/2006/relationships" xmlns:p="http://schemas.openxmlformats.org/presentationml/2006/main">
+  <p:cSld name="Slide 9">
+    <p:spTree>
+      <p:nvGrpSpPr>
+        <p:cNvPr id="1" name=""/>
+        <p:cNvGrpSpPr/>
+        <p:nvPr/>
+      </p:nvGrpSpPr>
+      <p:grpSpPr>
+        <a:xfrm>
+          <a:off x="0" y="0"/>
+          <a:ext cx="0" cy="0"/>
+          <a:chOff x="0" y="0"/>
+          <a:chExt cx="0" cy="0"/>
+        </a:xfrm>
+      </p:grpSpPr>
+      <p:sp>
+        <p:nvSpPr>
+          <p:cNvPr id="2" name="Text 0"/>
+          <p:cNvSpPr/>
+          <p:nvPr/>
+        </p:nvSpPr>
+        <p:spPr>
+          <a:xfrm>
+            <a:off x="773787" y="607933"/>
+            <a:ext cx="7017068" cy="690801"/>
+          </a:xfrm>
+          <a:prstGeom prst="rect">
+            <a:avLst/>
+          </a:prstGeom>
+          <a:noFill/>
+          <a:ln/>
+        </p:spPr>
+        <p:txBody>
+          <a:bodyPr wrap="none" lIns="0" tIns="0" rIns="0" bIns="0" rtlCol="0" anchor="t"/>
+          <a:lstStyle/>
+          <a:p>
+            <a:pPr algn="l" indent="0" marL="0">
+              <a:lnSpc>
+                <a:spcPts val="5400"/>
+              </a:lnSpc>
+              <a:buNone/>
+            </a:pPr>
+            <a:r>
+              <a:rPr lang="en-US" sz="4350" dirty="0">
+                <a:solidFill>
+                  <a:srgbClr val="201B18"/>
+                </a:solidFill>
+                <a:latin typeface="Platypi Medium" pitchFamily="34" charset="0"/>
+                <a:ea typeface="Platypi Medium" pitchFamily="34" charset="-122"/>
+                <a:cs typeface="Platypi Medium" pitchFamily="34" charset="-120"/>
+              </a:rPr>
+              <a:t>Workflow: User to Agents</a:t>
+            </a:r>
+            <a:endParaRPr lang="en-US" sz="4350" dirty="0"/>
+          </a:p>
+        </p:txBody>
+      </p:sp>
+      <p:sp>
+        <p:nvSpPr>
+          <p:cNvPr id="3" name="Text 1"/>
+          <p:cNvSpPr/>
+          <p:nvPr/>
+        </p:nvSpPr>
+        <p:spPr>
+          <a:xfrm>
+            <a:off x="773787" y="1740813"/>
+            <a:ext cx="13082826" cy="353735"/>
+          </a:xfrm>
+          <a:prstGeom prst="rect">
+            <a:avLst/>
+          </a:prstGeom>
+          <a:noFill/>
+          <a:ln/>
+        </p:spPr>
+        <p:txBody>
+          <a:bodyPr wrap="none" lIns="0" tIns="0" rIns="0" bIns="0" rtlCol="0" anchor="t"/>
+          <a:lstStyle/>
+          <a:p>
+            <a:pPr algn="l" indent="0" marL="0">
+              <a:lnSpc>
+                <a:spcPts val="2750"/>
+              </a:lnSpc>
+              <a:buNone/>
+            </a:pPr>
+            <a:r>
+              <a:rPr lang="en-US" sz="1700" dirty="0">
+                <a:solidFill>
+                  <a:srgbClr val="504C49"/>
+                </a:solidFill>
+                <a:latin typeface="Source Serif Pro" pitchFamily="34" charset="0"/>
+                <a:ea typeface="Source Serif Pro" pitchFamily="34" charset="-122"/>
+                <a:cs typeface="Source Serif Pro" pitchFamily="34" charset="-120"/>
+              </a:rPr>
+              <a:t>The assistant workflow connects users with specialized agents through an intelligent coordination protocol.</a:t>
+            </a:r>
+            <a:endParaRPr lang="en-US" sz="1700" dirty="0"/>
+          </a:p>
+        </p:txBody>
+      </p:sp>
+      <p:sp>
+        <p:nvSpPr>
+          <p:cNvPr id="4" name="Text 2"/>
+          <p:cNvSpPr/>
+          <p:nvPr/>
+        </p:nvSpPr>
+        <p:spPr>
+          <a:xfrm>
+            <a:off x="1930479" y="2987754"/>
+            <a:ext cx="2763679" cy="345400"/>
+          </a:xfrm>
+          <a:prstGeom prst="rect">
+            <a:avLst/>
+          </a:prstGeom>
+          <a:noFill/>
+          <a:ln/>
+        </p:spPr>
+        <p:txBody>
+          <a:bodyPr wrap="none" lIns="0" tIns="0" rIns="0" bIns="0" rtlCol="0" anchor="t"/>
+          <a:lstStyle/>
+          <a:p>
+            <a:pPr algn="r" indent="0" marL="0">
+              <a:lnSpc>
+                <a:spcPts val="2700"/>
+              </a:lnSpc>
+              <a:buNone/>
+            </a:pPr>
+            <a:r>
+              <a:rPr lang="en-US" sz="2150" dirty="0">
+                <a:solidFill>
+                  <a:srgbClr val="504C49"/>
+                </a:solidFill>
+                <a:latin typeface="Platypi Medium" pitchFamily="34" charset="0"/>
+                <a:ea typeface="Platypi Medium" pitchFamily="34" charset="-122"/>
+                <a:cs typeface="Platypi Medium" pitchFamily="34" charset="-120"/>
+              </a:rPr>
+              <a:t>Chat Interface</a:t>
+            </a:r>
+            <a:endParaRPr lang="en-US" sz="2150" dirty="0"/>
+          </a:p>
+        </p:txBody>
+      </p:sp>
+      <p:sp>
+        <p:nvSpPr>
+          <p:cNvPr id="5" name="Text 3"/>
+          <p:cNvSpPr/>
+          <p:nvPr/>
+        </p:nvSpPr>
+        <p:spPr>
+          <a:xfrm>
+            <a:off x="773787" y="3465790"/>
+            <a:ext cx="3920371" cy="707469"/>
+          </a:xfrm>
+          <a:prstGeom prst="rect">
+            <a:avLst/>
+          </a:prstGeom>
+          <a:noFill/>
+          <a:ln/>
+        </p:spPr>
+        <p:txBody>
+          <a:bodyPr wrap="square" lIns="0" tIns="0" rIns="0" bIns="0" rtlCol="0" anchor="t"/>
+          <a:lstStyle/>
+          <a:p>
+            <a:pPr algn="r" indent="0" marL="0">
+              <a:lnSpc>
+                <a:spcPts val="2750"/>
+              </a:lnSpc>
+              <a:buNone/>
+            </a:pPr>
+            <a:r>
+              <a:rPr lang="en-US" sz="1700" dirty="0">
+                <a:solidFill>
+                  <a:srgbClr val="504C49"/>
+                </a:solidFill>
+                <a:latin typeface="Source Serif Pro" pitchFamily="34" charset="0"/>
+                <a:ea typeface="Source Serif Pro" pitchFamily="34" charset="-122"/>
+                <a:cs typeface="Source Serif Pro" pitchFamily="34" charset="-120"/>
+              </a:rPr>
+              <a:t>Users interact through a conversational UI that captures requests and context.</a:t>
+            </a:r>
+            <a:endParaRPr lang="en-US" sz="1700" dirty="0"/>
+          </a:p>
+        </p:txBody>
+      </p:sp>
+      <p:pic>
+        <p:nvPicPr>
+          <p:cNvPr id="6" name="Image 0" descr="preencoded.png">    </p:cNvPr>
+          <p:cNvPicPr>
+            <a:picLocks noChangeAspect="1"/>
+          </p:cNvPicPr>
+          <p:nvPr/>
+        </p:nvPicPr>
+        <p:blipFill>
+          <a:blip r:embed="rId1"/>
+          <a:stretch>
+            <a:fillRect/>
+          </a:stretch>
+        </p:blipFill>
+        <p:spPr>
+          <a:xfrm>
+            <a:off x="5025747" y="2694265"/>
+            <a:ext cx="4578906" cy="4578906"/>
+          </a:xfrm>
+          <a:prstGeom prst="rect">
+            <a:avLst/>
+          </a:prstGeom>
+        </p:spPr>
+      </p:pic>
+      <p:pic>
+        <p:nvPicPr>
+          <p:cNvPr id="7" name="Image 1" descr="preencoded.png">    </p:cNvPr>
+          <p:cNvPicPr>
+            <a:picLocks noChangeAspect="1"/>
+          </p:cNvPicPr>
+          <p:nvPr/>
+        </p:nvPicPr>
+        <p:blipFill>
+          <a:blip r:embed="rId2"/>
+          <a:stretch>
+            <a:fillRect/>
+          </a:stretch>
+        </p:blipFill>
+        <p:spPr>
+          <a:xfrm>
+            <a:off x="6034445" y="3625929"/>
+            <a:ext cx="330756" cy="413504"/>
+          </a:xfrm>
+          <a:prstGeom prst="rect">
+            <a:avLst/>
+          </a:prstGeom>
+        </p:spPr>
+      </p:pic>
+      <p:sp>
+        <p:nvSpPr>
+          <p:cNvPr id="8" name="Text 4"/>
+          <p:cNvSpPr/>
+          <p:nvPr/>
+        </p:nvSpPr>
+        <p:spPr>
+          <a:xfrm>
+            <a:off x="9936242" y="2343269"/>
+            <a:ext cx="2763679" cy="345400"/>
+          </a:xfrm>
+          <a:prstGeom prst="rect">
+            <a:avLst/>
+          </a:prstGeom>
+          <a:noFill/>
+          <a:ln/>
+        </p:spPr>
+        <p:txBody>
+          <a:bodyPr wrap="none" lIns="0" tIns="0" rIns="0" bIns="0" rtlCol="0" anchor="t"/>
+          <a:lstStyle/>
+          <a:p>
+            <a:pPr algn="l" indent="0" marL="0">
+              <a:lnSpc>
+                <a:spcPts val="2700"/>
+              </a:lnSpc>
+              <a:buNone/>
+            </a:pPr>
+            <a:r>
+              <a:rPr lang="en-US" sz="2150" dirty="0">
+                <a:solidFill>
+                  <a:srgbClr val="504C49"/>
+                </a:solidFill>
+                <a:latin typeface="Platypi Medium" pitchFamily="34" charset="0"/>
+                <a:ea typeface="Platypi Medium" pitchFamily="34" charset="-122"/>
+                <a:cs typeface="Platypi Medium" pitchFamily="34" charset="-120"/>
+              </a:rPr>
+              <a:t>MCP Protocol</a:t>
+            </a:r>
+            <a:endParaRPr lang="en-US" sz="2150" dirty="0"/>
+          </a:p>
+        </p:txBody>
+      </p:sp>
+      <p:sp>
+        <p:nvSpPr>
+          <p:cNvPr id="9" name="Text 5"/>
+          <p:cNvSpPr/>
+          <p:nvPr/>
+        </p:nvSpPr>
+        <p:spPr>
+          <a:xfrm>
+            <a:off x="9936242" y="2821305"/>
+            <a:ext cx="3920371" cy="1061204"/>
+          </a:xfrm>
+          <a:prstGeom prst="rect">
+            <a:avLst/>
+          </a:prstGeom>
+          <a:noFill/>
+          <a:ln/>
+        </p:spPr>
+        <p:txBody>
+          <a:bodyPr wrap="square" lIns="0" tIns="0" rIns="0" bIns="0" rtlCol="0" anchor="t"/>
+          <a:lstStyle/>
+          <a:p>
+            <a:pPr algn="l" indent="0" marL="0">
+              <a:lnSpc>
+                <a:spcPts val="2750"/>
+              </a:lnSpc>
+              <a:buNone/>
+            </a:pPr>
+            <a:r>
+              <a:rPr lang="en-US" sz="1700" dirty="0">
+                <a:solidFill>
+                  <a:srgbClr val="504C49"/>
+                </a:solidFill>
+                <a:latin typeface="Source Serif Pro" pitchFamily="34" charset="0"/>
+                <a:ea typeface="Source Serif Pro" pitchFamily="34" charset="-122"/>
+                <a:cs typeface="Source Serif Pro" pitchFamily="34" charset="-120"/>
+              </a:rPr>
+              <a:t>Coordinates communication between LLMs and specialized agents through standardized patterns.</a:t>
+            </a:r>
+            <a:endParaRPr lang="en-US" sz="1700" dirty="0"/>
+          </a:p>
+        </p:txBody>
+      </p:sp>
+      <p:pic>
+        <p:nvPicPr>
+          <p:cNvPr id="10" name="Image 2" descr="preencoded.png">    </p:cNvPr>
+          <p:cNvPicPr>
+            <a:picLocks noChangeAspect="1"/>
+          </p:cNvPicPr>
+          <p:nvPr/>
+        </p:nvPicPr>
+        <p:blipFill>
+          <a:blip r:embed="rId3"/>
+          <a:stretch>
+            <a:fillRect/>
+          </a:stretch>
+        </p:blipFill>
+        <p:spPr>
+          <a:xfrm>
+            <a:off x="5025747" y="2694265"/>
+            <a:ext cx="4578906" cy="4578906"/>
+          </a:xfrm>
+          <a:prstGeom prst="rect">
+            <a:avLst/>
+          </a:prstGeom>
+        </p:spPr>
+      </p:pic>
+      <p:pic>
+        <p:nvPicPr>
+          <p:cNvPr id="11" name="Image 3" descr="preencoded.png">    </p:cNvPr>
+          <p:cNvPicPr>
+            <a:picLocks noChangeAspect="1"/>
+          </p:cNvPicPr>
+          <p:nvPr/>
+        </p:nvPicPr>
+        <p:blipFill>
+          <a:blip r:embed="rId4"/>
+          <a:stretch>
+            <a:fillRect/>
+          </a:stretch>
+        </p:blipFill>
+        <p:spPr>
+          <a:xfrm>
+            <a:off x="7899678" y="3360539"/>
+            <a:ext cx="330756" cy="413504"/>
+          </a:xfrm>
+          <a:prstGeom prst="rect">
+            <a:avLst/>
+          </a:prstGeom>
+        </p:spPr>
+      </p:pic>
+      <p:sp>
+        <p:nvSpPr>
+          <p:cNvPr id="12" name="Text 6"/>
+          <p:cNvSpPr/>
+          <p:nvPr/>
+        </p:nvSpPr>
+        <p:spPr>
+          <a:xfrm>
+            <a:off x="10046732" y="4214098"/>
+            <a:ext cx="2763679" cy="345400"/>
+          </a:xfrm>
+          <a:prstGeom prst="rect">
+            <a:avLst/>
+          </a:prstGeom>
+          <a:noFill/>
+          <a:ln/>
+        </p:spPr>
+        <p:txBody>
+          <a:bodyPr wrap="none" lIns="0" tIns="0" rIns="0" bIns="0" rtlCol="0" anchor="t"/>
+          <a:lstStyle/>
+          <a:p>
+            <a:pPr algn="l" indent="0" marL="0">
+              <a:lnSpc>
+                <a:spcPts val="2700"/>
+              </a:lnSpc>
+              <a:buNone/>
+            </a:pPr>
+            <a:r>
+              <a:rPr lang="en-US" sz="2150" dirty="0">
+                <a:solidFill>
+                  <a:srgbClr val="504C49"/>
+                </a:solidFill>
+                <a:latin typeface="Platypi Medium" pitchFamily="34" charset="0"/>
+                <a:ea typeface="Platypi Medium" pitchFamily="34" charset="-122"/>
+                <a:cs typeface="Platypi Medium" pitchFamily="34" charset="-120"/>
+              </a:rPr>
+              <a:t>Workday Agent</a:t>
+            </a:r>
+            <a:endParaRPr lang="en-US" sz="2150" dirty="0"/>
+          </a:p>
+        </p:txBody>
+      </p:sp>
+      <p:sp>
+        <p:nvSpPr>
+          <p:cNvPr id="13" name="Text 7"/>
+          <p:cNvSpPr/>
+          <p:nvPr/>
+        </p:nvSpPr>
+        <p:spPr>
+          <a:xfrm>
+            <a:off x="10046732" y="4692134"/>
+            <a:ext cx="3809881" cy="1061204"/>
+          </a:xfrm>
+          <a:prstGeom prst="rect">
+            <a:avLst/>
+          </a:prstGeom>
+          <a:noFill/>
+          <a:ln/>
+        </p:spPr>
+        <p:txBody>
+          <a:bodyPr wrap="square" lIns="0" tIns="0" rIns="0" bIns="0" rtlCol="0" anchor="t"/>
+          <a:lstStyle/>
+          <a:p>
+            <a:pPr algn="l" indent="0" marL="0">
+              <a:lnSpc>
+                <a:spcPts val="2750"/>
+              </a:lnSpc>
+              <a:buNone/>
+            </a:pPr>
+            <a:r>
+              <a:rPr lang="en-US" sz="1700" dirty="0">
+                <a:solidFill>
+                  <a:srgbClr val="504C49"/>
+                </a:solidFill>
+                <a:latin typeface="Source Serif Pro" pitchFamily="34" charset="0"/>
+                <a:ea typeface="Source Serif Pro" pitchFamily="34" charset="-122"/>
+                <a:cs typeface="Source Serif Pro" pitchFamily="34" charset="-120"/>
+              </a:rPr>
+              <a:t>Processes HR information and manages professional development goals.</a:t>
+            </a:r>
+            <a:endParaRPr lang="en-US" sz="1700" dirty="0"/>
+          </a:p>
+        </p:txBody>
+      </p:sp>
+      <p:pic>
+        <p:nvPicPr>
+          <p:cNvPr id="14" name="Image 4" descr="preencoded.png">    </p:cNvPr>
+          <p:cNvPicPr>
+            <a:picLocks noChangeAspect="1"/>
+          </p:cNvPicPr>
+          <p:nvPr/>
+        </p:nvPicPr>
+        <p:blipFill>
+          <a:blip r:embed="rId5"/>
+          <a:stretch>
+            <a:fillRect/>
+          </a:stretch>
+        </p:blipFill>
+        <p:spPr>
+          <a:xfrm>
+            <a:off x="5025747" y="2694265"/>
+            <a:ext cx="4578906" cy="4578906"/>
+          </a:xfrm>
+          <a:prstGeom prst="rect">
+            <a:avLst/>
+          </a:prstGeom>
+        </p:spPr>
+      </p:pic>
+      <p:pic>
+        <p:nvPicPr>
+          <p:cNvPr id="15" name="Image 5" descr="preencoded.png">    </p:cNvPr>
+          <p:cNvPicPr>
+            <a:picLocks noChangeAspect="1"/>
+          </p:cNvPicPr>
+          <p:nvPr/>
+        </p:nvPicPr>
+        <p:blipFill>
+          <a:blip r:embed="rId6"/>
+          <a:stretch>
+            <a:fillRect/>
+          </a:stretch>
+        </p:blipFill>
+        <p:spPr>
+          <a:xfrm>
+            <a:off x="8728472" y="5052417"/>
+            <a:ext cx="330756" cy="413504"/>
+          </a:xfrm>
+          <a:prstGeom prst="rect">
+            <a:avLst/>
+          </a:prstGeom>
+        </p:spPr>
+      </p:pic>
+      <p:sp>
+        <p:nvSpPr>
+          <p:cNvPr id="16" name="Text 8"/>
+          <p:cNvSpPr/>
+          <p:nvPr/>
+        </p:nvSpPr>
+        <p:spPr>
+          <a:xfrm>
+            <a:off x="9936242" y="6084927"/>
+            <a:ext cx="2763679" cy="345400"/>
+          </a:xfrm>
+          <a:prstGeom prst="rect">
+            <a:avLst/>
+          </a:prstGeom>
+          <a:noFill/>
+          <a:ln/>
+        </p:spPr>
+        <p:txBody>
+          <a:bodyPr wrap="none" lIns="0" tIns="0" rIns="0" bIns="0" rtlCol="0" anchor="t"/>
+          <a:lstStyle/>
+          <a:p>
+            <a:pPr algn="l" indent="0" marL="0">
+              <a:lnSpc>
+                <a:spcPts val="2700"/>
+              </a:lnSpc>
+              <a:buNone/>
+            </a:pPr>
+            <a:r>
+              <a:rPr lang="en-US" sz="2150" dirty="0">
+                <a:solidFill>
+                  <a:srgbClr val="504C49"/>
+                </a:solidFill>
+                <a:latin typeface="Platypi Medium" pitchFamily="34" charset="0"/>
+                <a:ea typeface="Platypi Medium" pitchFamily="34" charset="-122"/>
+                <a:cs typeface="Platypi Medium" pitchFamily="34" charset="-120"/>
+              </a:rPr>
+              <a:t>Skills Agent</a:t>
+            </a:r>
+            <a:endParaRPr lang="en-US" sz="2150" dirty="0"/>
+          </a:p>
+        </p:txBody>
+      </p:sp>
+      <p:sp>
+        <p:nvSpPr>
+          <p:cNvPr id="17" name="Text 9"/>
+          <p:cNvSpPr/>
+          <p:nvPr/>
+        </p:nvSpPr>
+        <p:spPr>
+          <a:xfrm>
+            <a:off x="9936242" y="6562963"/>
+            <a:ext cx="3920371" cy="1061204"/>
+          </a:xfrm>
+          <a:prstGeom prst="rect">
+            <a:avLst/>
+          </a:prstGeom>
+          <a:noFill/>
+          <a:ln/>
+        </p:spPr>
+        <p:txBody>
+          <a:bodyPr wrap="square" lIns="0" tIns="0" rIns="0" bIns="0" rtlCol="0" anchor="t"/>
+          <a:lstStyle/>
+          <a:p>
+            <a:pPr algn="l" indent="0" marL="0">
+              <a:lnSpc>
+                <a:spcPts val="2750"/>
+              </a:lnSpc>
+              <a:buNone/>
+            </a:pPr>
+            <a:r>
+              <a:rPr lang="en-US" sz="1700" dirty="0">
+                <a:solidFill>
+                  <a:srgbClr val="504C49"/>
+                </a:solidFill>
+                <a:latin typeface="Source Serif Pro" pitchFamily="34" charset="0"/>
+                <a:ea typeface="Source Serif Pro" pitchFamily="34" charset="-122"/>
+                <a:cs typeface="Source Serif Pro" pitchFamily="34" charset="-120"/>
+              </a:rPr>
+              <a:t>Executes functional tasks through document analysis and content generation.</a:t>
+            </a:r>
+            <a:endParaRPr lang="en-US" sz="1700" dirty="0"/>
+          </a:p>
+        </p:txBody>
+      </p:sp>
+      <p:pic>
+        <p:nvPicPr>
+          <p:cNvPr id="18" name="Image 6" descr="preencoded.png">    </p:cNvPr>
+          <p:cNvPicPr>
+            <a:picLocks noChangeAspect="1"/>
+          </p:cNvPicPr>
+          <p:nvPr/>
+        </p:nvPicPr>
+        <p:blipFill>
+          <a:blip r:embed="rId7"/>
+          <a:stretch>
+            <a:fillRect/>
+          </a:stretch>
+        </p:blipFill>
+        <p:spPr>
+          <a:xfrm>
+            <a:off x="5025747" y="2694265"/>
+            <a:ext cx="4578906" cy="4578906"/>
+          </a:xfrm>
+          <a:prstGeom prst="rect">
+            <a:avLst/>
+          </a:prstGeom>
+        </p:spPr>
+      </p:pic>
+      <p:pic>
+        <p:nvPicPr>
+          <p:cNvPr id="19" name="Image 7" descr="preencoded.png">    </p:cNvPr>
+          <p:cNvPicPr>
+            <a:picLocks noChangeAspect="1"/>
+          </p:cNvPicPr>
+          <p:nvPr/>
+        </p:nvPicPr>
+        <p:blipFill>
+          <a:blip r:embed="rId8"/>
+          <a:stretch>
+            <a:fillRect/>
+          </a:stretch>
+        </p:blipFill>
+        <p:spPr>
+          <a:xfrm>
+            <a:off x="7375565" y="6363533"/>
+            <a:ext cx="330756" cy="413504"/>
+          </a:xfrm>
+          <a:prstGeom prst="rect">
+            <a:avLst/>
+          </a:prstGeom>
+        </p:spPr>
+      </p:pic>
+      <p:sp>
+        <p:nvSpPr>
+          <p:cNvPr id="20" name="Text 10"/>
+          <p:cNvSpPr/>
+          <p:nvPr/>
+        </p:nvSpPr>
+        <p:spPr>
+          <a:xfrm>
+            <a:off x="1930479" y="5794058"/>
+            <a:ext cx="2763679" cy="345400"/>
+          </a:xfrm>
+          <a:prstGeom prst="rect">
+            <a:avLst/>
+          </a:prstGeom>
+          <a:noFill/>
+          <a:ln/>
+        </p:spPr>
+        <p:txBody>
+          <a:bodyPr wrap="none" lIns="0" tIns="0" rIns="0" bIns="0" rtlCol="0" anchor="t"/>
+          <a:lstStyle/>
+          <a:p>
+            <a:pPr algn="r" indent="0" marL="0">
+              <a:lnSpc>
+                <a:spcPts val="2700"/>
+              </a:lnSpc>
+              <a:buNone/>
+            </a:pPr>
+            <a:r>
+              <a:rPr lang="en-US" sz="2150" dirty="0">
+                <a:solidFill>
+                  <a:srgbClr val="504C49"/>
+                </a:solidFill>
+                <a:latin typeface="Platypi Medium" pitchFamily="34" charset="0"/>
+                <a:ea typeface="Platypi Medium" pitchFamily="34" charset="-122"/>
+                <a:cs typeface="Platypi Medium" pitchFamily="34" charset="-120"/>
+              </a:rPr>
+              <a:t>Pathway Agent</a:t>
+            </a:r>
+            <a:endParaRPr lang="en-US" sz="2150" dirty="0"/>
+          </a:p>
+        </p:txBody>
+      </p:sp>
+      <p:sp>
+        <p:nvSpPr>
+          <p:cNvPr id="21" name="Text 11"/>
+          <p:cNvSpPr/>
+          <p:nvPr/>
+        </p:nvSpPr>
+        <p:spPr>
+          <a:xfrm>
+            <a:off x="773787" y="6272093"/>
+            <a:ext cx="3920371" cy="707469"/>
+          </a:xfrm>
+          <a:prstGeom prst="rect">
+            <a:avLst/>
+          </a:prstGeom>
+          <a:noFill/>
+          <a:ln/>
+        </p:spPr>
+        <p:txBody>
+          <a:bodyPr wrap="square" lIns="0" tIns="0" rIns="0" bIns="0" rtlCol="0" anchor="t"/>
+          <a:lstStyle/>
+          <a:p>
+            <a:pPr algn="r" indent="0" marL="0">
+              <a:lnSpc>
+                <a:spcPts val="2750"/>
+              </a:lnSpc>
+              <a:buNone/>
+            </a:pPr>
+            <a:r>
+              <a:rPr lang="en-US" sz="1700" dirty="0">
+                <a:solidFill>
+                  <a:srgbClr val="504C49"/>
+                </a:solidFill>
+                <a:latin typeface="Source Serif Pro" pitchFamily="34" charset="0"/>
+                <a:ea typeface="Source Serif Pro" pitchFamily="34" charset="-122"/>
+                <a:cs typeface="Source Serif Pro" pitchFamily="34" charset="-120"/>
+              </a:rPr>
+              <a:t>Creates learning plans and tracks progress toward professional goals.</a:t>
+            </a:r>
+            <a:endParaRPr lang="en-US" sz="1700" dirty="0"/>
+          </a:p>
+        </p:txBody>
+      </p:sp>
+      <p:pic>
+        <p:nvPicPr>
+          <p:cNvPr id="22" name="Image 8" descr="preencoded.png">    </p:cNvPr>
+          <p:cNvPicPr>
+            <a:picLocks noChangeAspect="1"/>
+          </p:cNvPicPr>
+          <p:nvPr/>
+        </p:nvPicPr>
+        <p:blipFill>
+          <a:blip r:embed="rId9"/>
+          <a:stretch>
+            <a:fillRect/>
+          </a:stretch>
+        </p:blipFill>
+        <p:spPr>
+          <a:xfrm>
+            <a:off x="5025747" y="2694265"/>
+            <a:ext cx="4578906" cy="4578906"/>
+          </a:xfrm>
+          <a:prstGeom prst="rect">
+            <a:avLst/>
+          </a:prstGeom>
+        </p:spPr>
+      </p:pic>
+      <p:pic>
+        <p:nvPicPr>
+          <p:cNvPr id="23" name="Image 9" descr="preencoded.png">    </p:cNvPr>
+          <p:cNvPicPr>
+            <a:picLocks noChangeAspect="1"/>
+          </p:cNvPicPr>
+          <p:nvPr/>
+        </p:nvPicPr>
+        <p:blipFill>
+          <a:blip r:embed="rId10"/>
+          <a:stretch>
+            <a:fillRect/>
+          </a:stretch>
+        </p:blipFill>
+        <p:spPr>
+          <a:xfrm>
+            <a:off x="5710595" y="5481876"/>
+            <a:ext cx="330756" cy="413504"/>
+          </a:xfrm>
+          <a:prstGeom prst="rect">
+            <a:avLst/>
+          </a:prstGeom>
+        </p:spPr>
+      </p:pic>
     </p:spTree>
   </p:cSld>
   <p:clrMapOvr>
